--- a/PIO.pptx
+++ b/PIO.pptx
@@ -215,7 +215,7 @@
           <a:p>
             <a:fld id="{B04B3257-1298-4A3D-9F6A-9B21A56D330D}" type="datetimeFigureOut">
               <a:rPr lang="en-GB" smtClean="0"/>
-              <a:t>17/01/2021</a:t>
+              <a:t>18/01/2021</a:t>
             </a:fld>
             <a:endParaRPr lang="en-GB"/>
           </a:p>
@@ -527,7 +527,10 @@
           <a:bodyPr/>
           <a:lstStyle/>
           <a:p>
-            <a:endParaRPr lang="en-GB"/>
+            <a:r>
+              <a:rPr lang="en-GB" dirty="0"/>
+              <a:t>Good morning, today we are going to present our System on Chip project, the Programmable Industrial Oven</a:t>
+            </a:r>
           </a:p>
         </p:txBody>
       </p:sp>
@@ -1460,7 +1463,10 @@
           <a:bodyPr/>
           <a:lstStyle/>
           <a:p>
-            <a:endParaRPr lang="en-GB" dirty="0"/>
+            <a:r>
+              <a:rPr lang="en-GB" dirty="0"/>
+              <a:t>We will start by looking at what drove us to this project. Then we’ll talk about the high level requirements that we found for the project, and how the design and development phase was affected by the current situation. After that we will see the results of our work and how to improve the current system. </a:t>
+            </a:r>
           </a:p>
         </p:txBody>
       </p:sp>
@@ -1545,6 +1551,31 @@
           <a:lstStyle/>
           <a:p>
             <a:r>
+              <a:rPr lang="en-GB" dirty="0"/>
+              <a:t>In the last decades, due to the technology evolution, a lot of new application field were born for the electronic devices. </a:t>
+            </a:r>
+          </a:p>
+          <a:p>
+            <a:r>
+              <a:rPr lang="en-GB" dirty="0"/>
+              <a:t>This concept can be expressed with the term IoT (Internet of Things). The consequences of this evolution impacted a lot of fields, like the industrial one.</a:t>
+            </a:r>
+          </a:p>
+          <a:p>
+            <a:r>
+              <a:rPr lang="en-GB" dirty="0"/>
+              <a:t>The utilization of the IoT in the industrial field took the name of Industry 4.0</a:t>
+            </a:r>
+          </a:p>
+          <a:p>
+            <a:endParaRPr lang="en-GB" dirty="0"/>
+          </a:p>
+          <a:p>
+            <a:r>
+              <a:rPr lang="en-GB" dirty="0"/>
+              <a:t>// </a:t>
+            </a:r>
+            <a:r>
               <a:rPr lang="en-GB" dirty="0" err="1"/>
               <a:t>Negli</a:t>
             </a:r>
@@ -1643,6 +1674,10 @@
           </a:p>
           <a:p>
             <a:r>
+              <a:rPr lang="en-GB" dirty="0"/>
+              <a:t>// </a:t>
+            </a:r>
+            <a:r>
               <a:rPr lang="en-GB" dirty="0" err="1"/>
               <a:t>Questo</a:t>
             </a:r>
@@ -1756,6 +1791,10 @@
             </a:r>
           </a:p>
           <a:p>
+            <a:r>
+              <a:rPr lang="en-GB" dirty="0"/>
+              <a:t>// </a:t>
+            </a:r>
             <a:r>
               <a:rPr lang="en-GB" dirty="0" err="1"/>
               <a:t>L’uso</a:t>
@@ -1905,7 +1944,52 @@
           <a:p>
             <a:r>
               <a:rPr lang="en-GB" dirty="0"/>
-              <a:t>Per </a:t>
+              <a:t>For this project we focused on the development of an Oven, that can be used in the industrial fields, and that features some smart functionalities.</a:t>
+            </a:r>
+          </a:p>
+          <a:p>
+            <a:r>
+              <a:rPr lang="en-GB" dirty="0"/>
+              <a:t>The main features are:</a:t>
+            </a:r>
+          </a:p>
+          <a:p>
+            <a:pPr marL="171450" indent="-171450">
+              <a:buFontTx/>
+              <a:buChar char="-"/>
+            </a:pPr>
+            <a:r>
+              <a:rPr lang="en-GB" dirty="0"/>
+              <a:t>Automatic temperature control with a software PID, coupled with a user programmable timer</a:t>
+            </a:r>
+          </a:p>
+          <a:p>
+            <a:pPr marL="171450" indent="-171450">
+              <a:buFontTx/>
+              <a:buChar char="-"/>
+            </a:pPr>
+            <a:r>
+              <a:rPr lang="en-GB" dirty="0"/>
+              <a:t>Full control of the device through the UART interface</a:t>
+            </a:r>
+          </a:p>
+          <a:p>
+            <a:pPr marL="171450" indent="-171450">
+              <a:buFontTx/>
+              <a:buChar char="-"/>
+            </a:pPr>
+            <a:r>
+              <a:rPr lang="en-GB" dirty="0"/>
+              <a:t>Control of the internal ventilation</a:t>
+            </a:r>
+          </a:p>
+          <a:p>
+            <a:endParaRPr lang="en-GB" dirty="0"/>
+          </a:p>
+          <a:p>
+            <a:r>
+              <a:rPr lang="en-GB" dirty="0"/>
+              <a:t>/* Per </a:t>
             </a:r>
             <a:r>
               <a:rPr lang="en-GB" dirty="0" err="1"/>
@@ -2134,7 +2218,7 @@
             </a:r>
             <a:r>
               <a:rPr lang="en-GB" dirty="0"/>
-              <a:t> interna</a:t>
+              <a:t> interna */</a:t>
             </a:r>
           </a:p>
         </p:txBody>
@@ -2219,7 +2303,143 @@
           <a:bodyPr/>
           <a:lstStyle/>
           <a:p>
+            <a:r>
+              <a:rPr lang="en-GB" dirty="0"/>
+              <a:t>To keep track of the development of the project we used some tools. For the management we used:</a:t>
+            </a:r>
+          </a:p>
+          <a:p>
+            <a:pPr marL="171450" indent="-171450">
+              <a:buFontTx/>
+              <a:buChar char="-"/>
+            </a:pPr>
+            <a:r>
+              <a:rPr lang="en-GB" dirty="0"/>
+              <a:t>Slack, to organize the calls and to ask questions to the professors</a:t>
+            </a:r>
+          </a:p>
+          <a:p>
+            <a:pPr marL="171450" indent="-171450">
+              <a:buFontTx/>
+              <a:buChar char="-"/>
+            </a:pPr>
+            <a:r>
+              <a:rPr lang="en-GB" dirty="0"/>
+              <a:t>Trello, to have a graphical view of the state of the project</a:t>
+            </a:r>
+          </a:p>
+          <a:p>
+            <a:pPr marL="171450" indent="-171450">
+              <a:buFontTx/>
+              <a:buChar char="-"/>
+            </a:pPr>
+            <a:r>
+              <a:rPr lang="en-GB" dirty="0"/>
+              <a:t>Overleaf, to prepare the final report</a:t>
+            </a:r>
+          </a:p>
+          <a:p>
+            <a:pPr marL="171450" indent="-171450">
+              <a:buFontTx/>
+              <a:buChar char="-"/>
+            </a:pPr>
+            <a:r>
+              <a:rPr lang="en-GB" dirty="0"/>
+              <a:t>GitHub, as a remote repository where to keep the code</a:t>
+            </a:r>
+          </a:p>
+          <a:p>
+            <a:pPr marL="171450" indent="-171450">
+              <a:buFontTx/>
+              <a:buChar char="-"/>
+            </a:pPr>
             <a:endParaRPr lang="en-GB" dirty="0"/>
+          </a:p>
+          <a:p>
+            <a:pPr marL="0" indent="0">
+              <a:buFontTx/>
+              <a:buNone/>
+            </a:pPr>
+            <a:r>
+              <a:rPr lang="en-GB" dirty="0"/>
+              <a:t>While for the development we used:</a:t>
+            </a:r>
+          </a:p>
+          <a:p>
+            <a:pPr marL="0" indent="0">
+              <a:buFontTx/>
+              <a:buNone/>
+            </a:pPr>
+            <a:r>
+              <a:rPr lang="en-GB" dirty="0"/>
+              <a:t>- </a:t>
+            </a:r>
+            <a:r>
+              <a:rPr lang="en-GB" dirty="0" err="1"/>
+              <a:t>CubeMX</a:t>
+            </a:r>
+            <a:r>
+              <a:rPr lang="en-GB" dirty="0"/>
+              <a:t>, &lt;</a:t>
+            </a:r>
+            <a:r>
+              <a:rPr lang="en-GB" dirty="0" err="1"/>
+              <a:t>scrivi</a:t>
+            </a:r>
+            <a:r>
+              <a:rPr lang="en-GB" dirty="0"/>
+              <a:t> </a:t>
+            </a:r>
+            <a:r>
+              <a:rPr lang="en-GB" dirty="0" err="1"/>
+              <a:t>te</a:t>
+            </a:r>
+            <a:r>
+              <a:rPr lang="en-GB" dirty="0"/>
+              <a:t> </a:t>
+            </a:r>
+            <a:r>
+              <a:rPr lang="en-GB" dirty="0" err="1"/>
+              <a:t>lollo</a:t>
+            </a:r>
+            <a:r>
+              <a:rPr lang="en-GB" dirty="0"/>
+              <a:t>&gt;</a:t>
+            </a:r>
+          </a:p>
+          <a:p>
+            <a:pPr marL="171450" indent="-171450">
+              <a:buFontTx/>
+              <a:buChar char="-"/>
+            </a:pPr>
+            <a:r>
+              <a:rPr lang="en-GB" dirty="0"/>
+              <a:t>Keil, to develop the MCU firmware</a:t>
+            </a:r>
+          </a:p>
+          <a:p>
+            <a:pPr marL="171450" indent="-171450">
+              <a:buFontTx/>
+              <a:buChar char="-"/>
+            </a:pPr>
+            <a:r>
+              <a:rPr lang="en-GB" dirty="0" err="1"/>
+              <a:t>Renode</a:t>
+            </a:r>
+            <a:r>
+              <a:rPr lang="en-GB" dirty="0"/>
+              <a:t>, to simulate the firmware</a:t>
+            </a:r>
+          </a:p>
+          <a:p>
+            <a:pPr marL="171450" indent="-171450">
+              <a:buFontTx/>
+              <a:buChar char="-"/>
+            </a:pPr>
+            <a:r>
+              <a:rPr lang="en-GB" dirty="0"/>
+              <a:t>PuTTY, to connect to the simulating UART line</a:t>
+            </a:r>
           </a:p>
         </p:txBody>
       </p:sp>
@@ -2724,7 +2944,7 @@
           <a:p>
             <a:fld id="{8141BEEF-F9E1-4A33-ACC1-282CAB272F0C}" type="datetime1">
               <a:rPr lang="en-US" smtClean="0"/>
-              <a:t>1/17/2021</a:t>
+              <a:t>1/18/2021</a:t>
             </a:fld>
             <a:endParaRPr lang="en-US"/>
           </a:p>
@@ -2896,7 +3116,7 @@
           <a:p>
             <a:fld id="{C90EA01B-2217-49ED-A018-35A8F674322D}" type="datetime1">
               <a:rPr lang="en-US" smtClean="0"/>
-              <a:t>1/17/2021</a:t>
+              <a:t>1/18/2021</a:t>
             </a:fld>
             <a:endParaRPr lang="en-US"/>
           </a:p>
@@ -3078,7 +3298,7 @@
           <a:p>
             <a:fld id="{5A12B522-85C6-4158-89FD-04947677A280}" type="datetime1">
               <a:rPr lang="en-US" smtClean="0"/>
-              <a:t>1/17/2021</a:t>
+              <a:t>1/18/2021</a:t>
             </a:fld>
             <a:endParaRPr lang="en-US"/>
           </a:p>
@@ -3250,7 +3470,7 @@
           <a:p>
             <a:fld id="{9D05EF58-A591-4C94-BD2D-85AFFDB6640C}" type="datetime1">
               <a:rPr lang="en-US" smtClean="0"/>
-              <a:t>1/17/2021</a:t>
+              <a:t>1/18/2021</a:t>
             </a:fld>
             <a:endParaRPr lang="en-US"/>
           </a:p>
@@ -3499,7 +3719,7 @@
           <a:p>
             <a:fld id="{4BDFCD1F-9347-4A15-B554-1D3C1A9570A6}" type="datetime1">
               <a:rPr lang="en-US" smtClean="0"/>
-              <a:t>1/17/2021</a:t>
+              <a:t>1/18/2021</a:t>
             </a:fld>
             <a:endParaRPr lang="en-US"/>
           </a:p>
@@ -3732,7 +3952,7 @@
           <a:p>
             <a:fld id="{9F39DE19-DB2B-486F-BEC0-2DBEB7F40F62}" type="datetime1">
               <a:rPr lang="en-US" smtClean="0"/>
-              <a:t>1/17/2021</a:t>
+              <a:t>1/18/2021</a:t>
             </a:fld>
             <a:endParaRPr lang="en-US"/>
           </a:p>
@@ -4100,7 +4320,7 @@
           <a:p>
             <a:fld id="{4D87E488-A0D1-447D-A000-6ADBF9F29B3D}" type="datetime1">
               <a:rPr lang="en-US" smtClean="0"/>
-              <a:t>1/17/2021</a:t>
+              <a:t>1/18/2021</a:t>
             </a:fld>
             <a:endParaRPr lang="en-US"/>
           </a:p>
@@ -4221,7 +4441,7 @@
           <a:p>
             <a:fld id="{D725069A-4F7A-4C82-9896-BBED5FCF375E}" type="datetime1">
               <a:rPr lang="en-US" smtClean="0"/>
-              <a:t>1/17/2021</a:t>
+              <a:t>1/18/2021</a:t>
             </a:fld>
             <a:endParaRPr lang="en-US"/>
           </a:p>
@@ -4320,7 +4540,7 @@
           <a:p>
             <a:fld id="{CFBB535A-36B1-49B1-93FA-4E17100CBC7D}" type="datetime1">
               <a:rPr lang="en-US" smtClean="0"/>
-              <a:t>1/17/2021</a:t>
+              <a:t>1/18/2021</a:t>
             </a:fld>
             <a:endParaRPr lang="en-US"/>
           </a:p>
@@ -4599,7 +4819,7 @@
           <a:p>
             <a:fld id="{F05B676A-D7ED-43A8-9FCB-76858D9038C2}" type="datetime1">
               <a:rPr lang="en-US" smtClean="0"/>
-              <a:t>1/17/2021</a:t>
+              <a:t>1/18/2021</a:t>
             </a:fld>
             <a:endParaRPr lang="en-US"/>
           </a:p>
@@ -4855,7 +5075,7 @@
           <a:p>
             <a:fld id="{B0EAE55A-9D13-41E2-BE52-DD2D40ECE046}" type="datetime1">
               <a:rPr lang="en-US" smtClean="0"/>
-              <a:t>1/17/2021</a:t>
+              <a:t>1/18/2021</a:t>
             </a:fld>
             <a:endParaRPr lang="en-US"/>
           </a:p>
@@ -5070,7 +5290,7 @@
           <a:p>
             <a:fld id="{44CFA898-378E-4246-BA3C-F99939F76BCE}" type="datetime1">
               <a:rPr lang="en-US" smtClean="0"/>
-              <a:t>1/17/2021</a:t>
+              <a:t>1/18/2021</a:t>
             </a:fld>
             <a:endParaRPr lang="en-US"/>
           </a:p>
@@ -6315,11 +6535,11 @@
   <p:clrMapOvr>
     <a:masterClrMapping/>
   </p:clrMapOvr>
-  <mc:AlternateContent xmlns:mc="http://schemas.openxmlformats.org/markup-compatibility/2006">
-    <mc:Choice xmlns:p14="http://schemas.microsoft.com/office/powerpoint/2010/main" Requires="p14">
+  <mc:AlternateContent xmlns:mc="http://schemas.openxmlformats.org/markup-compatibility/2006" xmlns:p14="http://schemas.microsoft.com/office/powerpoint/2010/main">
+    <mc:Choice Requires="p14">
       <p:transition spd="slow" p14:dur="2000" advTm="26644"/>
     </mc:Choice>
-    <mc:Fallback>
+    <mc:Fallback xmlns="">
       <p:transition spd="slow" advTm="26644"/>
     </mc:Fallback>
   </mc:AlternateContent>
@@ -6521,11 +6741,11 @@
   <p:clrMapOvr>
     <a:masterClrMapping/>
   </p:clrMapOvr>
-  <mc:AlternateContent xmlns:mc="http://schemas.openxmlformats.org/markup-compatibility/2006">
-    <mc:Choice xmlns:p14="http://schemas.microsoft.com/office/powerpoint/2010/main" Requires="p14">
+  <mc:AlternateContent xmlns:mc="http://schemas.openxmlformats.org/markup-compatibility/2006" xmlns:p14="http://schemas.microsoft.com/office/powerpoint/2010/main">
+    <mc:Choice Requires="p14">
       <p:transition spd="slow" p14:dur="2000" advTm="26644"/>
     </mc:Choice>
-    <mc:Fallback>
+    <mc:Fallback xmlns="">
       <p:transition spd="slow" advTm="26644"/>
     </mc:Fallback>
   </mc:AlternateContent>
@@ -6746,11 +6966,11 @@
   <p:clrMapOvr>
     <a:masterClrMapping/>
   </p:clrMapOvr>
-  <mc:AlternateContent xmlns:mc="http://schemas.openxmlformats.org/markup-compatibility/2006">
-    <mc:Choice xmlns:p14="http://schemas.microsoft.com/office/powerpoint/2010/main" Requires="p14">
+  <mc:AlternateContent xmlns:mc="http://schemas.openxmlformats.org/markup-compatibility/2006" xmlns:p14="http://schemas.microsoft.com/office/powerpoint/2010/main">
+    <mc:Choice Requires="p14">
       <p:transition spd="slow" p14:dur="2000" advTm="26644"/>
     </mc:Choice>
-    <mc:Fallback>
+    <mc:Fallback xmlns="">
       <p:transition spd="slow" advTm="26644"/>
     </mc:Fallback>
   </mc:AlternateContent>
@@ -6927,8 +7147,8 @@
           </a:prstGeom>
         </p:spPr>
       </p:pic>
-      <mc:AlternateContent xmlns:mc="http://schemas.openxmlformats.org/markup-compatibility/2006">
-        <mc:Choice xmlns:a14="http://schemas.microsoft.com/office/drawing/2010/main" Requires="a14">
+      <mc:AlternateContent xmlns:mc="http://schemas.openxmlformats.org/markup-compatibility/2006" xmlns:a14="http://schemas.microsoft.com/office/drawing/2010/main">
+        <mc:Choice Requires="a14">
           <p:sp>
             <p:nvSpPr>
               <p:cNvPr id="10" name="Content Placeholder 2">
@@ -7036,13 +7256,7 @@
                         <a:rPr lang="it-IT" b="0" i="1" smtClean="0">
                           <a:latin typeface="Cambria Math" panose="02040503050406030204" pitchFamily="18" charset="0"/>
                         </a:rPr>
-                        <m:t>=</m:t>
-                      </m:r>
-                      <m:r>
-                        <a:rPr lang="it-IT" b="0" i="1" smtClean="0">
-                          <a:latin typeface="Cambria Math" panose="02040503050406030204" pitchFamily="18" charset="0"/>
-                        </a:rPr>
-                        <m:t>12500</m:t>
+                        <m:t>=12500</m:t>
                       </m:r>
                     </m:oMath>
                   </m:oMathPara>
@@ -7070,13 +7284,7 @@
                         <a:rPr lang="it-IT" b="0" i="1" smtClean="0">
                           <a:latin typeface="Cambria Math" panose="02040503050406030204" pitchFamily="18" charset="0"/>
                         </a:rPr>
-                        <m:t>=</m:t>
-                      </m:r>
-                      <m:r>
-                        <a:rPr lang="it-IT" b="0" i="1" smtClean="0">
-                          <a:latin typeface="Cambria Math" panose="02040503050406030204" pitchFamily="18" charset="0"/>
-                        </a:rPr>
-                        <m:t>50</m:t>
+                        <m:t>=50</m:t>
                       </m:r>
                     </m:oMath>
                   </m:oMathPara>
@@ -7275,7 +7483,7 @@
             </p:txBody>
           </p:sp>
         </mc:Choice>
-        <mc:Fallback>
+        <mc:Fallback xmlns="">
           <p:sp>
             <p:nvSpPr>
               <p:cNvPr id="10" name="Content Placeholder 2">
@@ -7329,11 +7537,11 @@
   <p:clrMapOvr>
     <a:masterClrMapping/>
   </p:clrMapOvr>
-  <mc:AlternateContent xmlns:mc="http://schemas.openxmlformats.org/markup-compatibility/2006">
-    <mc:Choice xmlns:p14="http://schemas.microsoft.com/office/powerpoint/2010/main" Requires="p14">
+  <mc:AlternateContent xmlns:mc="http://schemas.openxmlformats.org/markup-compatibility/2006" xmlns:p14="http://schemas.microsoft.com/office/powerpoint/2010/main">
+    <mc:Choice Requires="p14">
       <p:transition spd="slow" p14:dur="2000" advTm="26644"/>
     </mc:Choice>
-    <mc:Fallback>
+    <mc:Fallback xmlns="">
       <p:transition spd="slow" advTm="26644"/>
     </mc:Fallback>
   </mc:AlternateContent>
@@ -10873,11 +11081,11 @@
   <p:clrMapOvr>
     <a:masterClrMapping/>
   </p:clrMapOvr>
-  <mc:AlternateContent xmlns:mc="http://schemas.openxmlformats.org/markup-compatibility/2006">
-    <mc:Choice xmlns:p14="http://schemas.microsoft.com/office/powerpoint/2010/main" Requires="p14">
+  <mc:AlternateContent xmlns:mc="http://schemas.openxmlformats.org/markup-compatibility/2006" xmlns:p14="http://schemas.microsoft.com/office/powerpoint/2010/main">
+    <mc:Choice Requires="p14">
       <p:transition spd="slow" p14:dur="2000" advTm="26644"/>
     </mc:Choice>
-    <mc:Fallback>
+    <mc:Fallback xmlns="">
       <p:transition spd="slow" advTm="26644"/>
     </mc:Fallback>
   </mc:AlternateContent>
@@ -11145,11 +11353,11 @@
   <p:clrMapOvr>
     <a:masterClrMapping/>
   </p:clrMapOvr>
-  <mc:AlternateContent xmlns:mc="http://schemas.openxmlformats.org/markup-compatibility/2006">
-    <mc:Choice xmlns:p14="http://schemas.microsoft.com/office/powerpoint/2010/main" Requires="p14">
+  <mc:AlternateContent xmlns:mc="http://schemas.openxmlformats.org/markup-compatibility/2006" xmlns:p14="http://schemas.microsoft.com/office/powerpoint/2010/main">
+    <mc:Choice Requires="p14">
       <p:transition spd="slow" p14:dur="2000" advTm="26644"/>
     </mc:Choice>
-    <mc:Fallback>
+    <mc:Fallback xmlns="">
       <p:transition spd="slow" advTm="26644"/>
     </mc:Fallback>
   </mc:AlternateContent>
@@ -11828,11 +12036,11 @@
   <p:clrMapOvr>
     <a:masterClrMapping/>
   </p:clrMapOvr>
-  <mc:AlternateContent xmlns:mc="http://schemas.openxmlformats.org/markup-compatibility/2006">
-    <mc:Choice xmlns:p14="http://schemas.microsoft.com/office/powerpoint/2010/main" Requires="p14">
+  <mc:AlternateContent xmlns:mc="http://schemas.openxmlformats.org/markup-compatibility/2006" xmlns:p14="http://schemas.microsoft.com/office/powerpoint/2010/main">
+    <mc:Choice Requires="p14">
       <p:transition spd="slow" p14:dur="2000" advTm="26644"/>
     </mc:Choice>
-    <mc:Fallback>
+    <mc:Fallback xmlns="">
       <p:transition spd="slow" advTm="26644"/>
     </mc:Fallback>
   </mc:AlternateContent>

--- a/PIO.pptx
+++ b/PIO.pptx
@@ -215,7 +215,7 @@
           <a:p>
             <a:fld id="{B04B3257-1298-4A3D-9F6A-9B21A56D330D}" type="datetimeFigureOut">
               <a:rPr lang="en-GB" smtClean="0"/>
-              <a:t>18/01/2021</a:t>
+              <a:t>22/01/2021</a:t>
             </a:fld>
             <a:endParaRPr lang="en-GB"/>
           </a:p>
@@ -614,7 +614,56 @@
           <a:bodyPr/>
           <a:lstStyle/>
           <a:p>
-            <a:endParaRPr lang="en-GB" dirty="0"/>
+            <a:r>
+              <a:rPr lang="en-GB" dirty="0"/>
+              <a:t>In the first phase of the project we found some risks that could influence the development. In particular we found that:</a:t>
+            </a:r>
+          </a:p>
+          <a:p>
+            <a:pPr marL="171450" indent="-171450">
+              <a:buFont typeface="Arial" panose="020B0604020202020204" pitchFamily="34" charset="0"/>
+              <a:buChar char="•"/>
+            </a:pPr>
+            <a:r>
+              <a:rPr lang="en-GB" dirty="0"/>
+              <a:t>Some of the proposed development tools could slow down the project due to the lack of experience with them. For this reason we didn’t used </a:t>
+            </a:r>
+            <a:r>
+              <a:rPr lang="en-GB" dirty="0" err="1"/>
+              <a:t>PlatformIO</a:t>
+            </a:r>
+            <a:r>
+              <a:rPr lang="en-GB" dirty="0"/>
+              <a:t>, but rather the combination of </a:t>
+            </a:r>
+            <a:r>
+              <a:rPr lang="en-GB" dirty="0" err="1"/>
+              <a:t>CubeMX</a:t>
+            </a:r>
+            <a:r>
+              <a:rPr lang="en-GB" dirty="0"/>
+              <a:t> and Keil. </a:t>
+            </a:r>
+          </a:p>
+          <a:p>
+            <a:pPr marL="171450" indent="-171450">
+              <a:buFont typeface="Arial" panose="020B0604020202020204" pitchFamily="34" charset="0"/>
+              <a:buChar char="•"/>
+            </a:pPr>
+            <a:r>
+              <a:rPr lang="en-GB" dirty="0"/>
+              <a:t>The intended use of a PID library was stated from the beginning, but we knew that there would not be the possibility to test the component on real hardware. This meant that the parameters for the PID were chosen without a real meaning. </a:t>
+            </a:r>
+          </a:p>
+          <a:p>
+            <a:pPr marL="171450" indent="-171450">
+              <a:buFont typeface="Arial" panose="020B0604020202020204" pitchFamily="34" charset="0"/>
+              <a:buChar char="•"/>
+            </a:pPr>
+            <a:r>
+              <a:rPr lang="en-GB" dirty="0"/>
+              <a:t>As well as the PID, the testing of the PWM outputs isn’t possible. For this reason we simply print on the User Interface the intended value of the PWM.</a:t>
+            </a:r>
           </a:p>
         </p:txBody>
       </p:sp>
@@ -1567,299 +1616,6 @@
               <a:t>The utilization of the IoT in the industrial field took the name of Industry 4.0</a:t>
             </a:r>
           </a:p>
-          <a:p>
-            <a:endParaRPr lang="en-GB" dirty="0"/>
-          </a:p>
-          <a:p>
-            <a:r>
-              <a:rPr lang="en-GB" dirty="0"/>
-              <a:t>// </a:t>
-            </a:r>
-            <a:r>
-              <a:rPr lang="en-GB" dirty="0" err="1"/>
-              <a:t>Negli</a:t>
-            </a:r>
-            <a:r>
-              <a:rPr lang="en-GB" dirty="0"/>
-              <a:t> </a:t>
-            </a:r>
-            <a:r>
-              <a:rPr lang="en-GB" dirty="0" err="1"/>
-              <a:t>ultimi</a:t>
-            </a:r>
-            <a:r>
-              <a:rPr lang="en-GB" dirty="0"/>
-              <a:t> </a:t>
-            </a:r>
-            <a:r>
-              <a:rPr lang="en-GB" dirty="0" err="1"/>
-              <a:t>decenni</a:t>
-            </a:r>
-            <a:r>
-              <a:rPr lang="en-GB" dirty="0"/>
-              <a:t> </a:t>
-            </a:r>
-            <a:r>
-              <a:rPr lang="en-GB" dirty="0" err="1"/>
-              <a:t>sono</a:t>
-            </a:r>
-            <a:r>
-              <a:rPr lang="en-GB" dirty="0"/>
-              <a:t> </a:t>
-            </a:r>
-            <a:r>
-              <a:rPr lang="en-GB" dirty="0" err="1"/>
-              <a:t>nati</a:t>
-            </a:r>
-            <a:r>
-              <a:rPr lang="en-GB" dirty="0"/>
-              <a:t> a causa del forte </a:t>
-            </a:r>
-            <a:r>
-              <a:rPr lang="en-GB" dirty="0" err="1"/>
-              <a:t>sviluppo</a:t>
-            </a:r>
-            <a:r>
-              <a:rPr lang="en-GB" dirty="0"/>
-              <a:t> </a:t>
-            </a:r>
-            <a:r>
-              <a:rPr lang="en-GB" dirty="0" err="1"/>
-              <a:t>scientifico</a:t>
-            </a:r>
-            <a:r>
-              <a:rPr lang="en-GB" dirty="0"/>
-              <a:t>/</a:t>
-            </a:r>
-            <a:r>
-              <a:rPr lang="en-GB" dirty="0" err="1"/>
-              <a:t>ingegneristico</a:t>
-            </a:r>
-            <a:r>
-              <a:rPr lang="en-GB" dirty="0"/>
-              <a:t> </a:t>
-            </a:r>
-            <a:r>
-              <a:rPr lang="en-GB" dirty="0" err="1"/>
-              <a:t>nuove</a:t>
-            </a:r>
-            <a:r>
-              <a:rPr lang="en-GB" dirty="0"/>
-              <a:t> </a:t>
-            </a:r>
-            <a:r>
-              <a:rPr lang="en-GB" dirty="0" err="1"/>
-              <a:t>forme</a:t>
-            </a:r>
-            <a:r>
-              <a:rPr lang="en-GB" dirty="0"/>
-              <a:t> di </a:t>
-            </a:r>
-            <a:r>
-              <a:rPr lang="en-GB" dirty="0" err="1"/>
-              <a:t>intelligienza</a:t>
-            </a:r>
-            <a:r>
-              <a:rPr lang="en-GB" dirty="0"/>
-              <a:t> associate ai dispositive </a:t>
-            </a:r>
-            <a:r>
-              <a:rPr lang="en-GB" dirty="0" err="1"/>
-              <a:t>elettronici</a:t>
-            </a:r>
-            <a:r>
-              <a:rPr lang="en-GB" dirty="0"/>
-              <a:t>.</a:t>
-            </a:r>
-          </a:p>
-          <a:p>
-            <a:r>
-              <a:rPr lang="en-GB" dirty="0"/>
-              <a:t>// </a:t>
-            </a:r>
-            <a:r>
-              <a:rPr lang="en-GB" dirty="0" err="1"/>
-              <a:t>Questo</a:t>
-            </a:r>
-            <a:r>
-              <a:rPr lang="en-GB" dirty="0"/>
-              <a:t> </a:t>
-            </a:r>
-            <a:r>
-              <a:rPr lang="en-GB" dirty="0" err="1"/>
-              <a:t>concetto</a:t>
-            </a:r>
-            <a:r>
-              <a:rPr lang="en-GB" dirty="0"/>
-              <a:t> è </a:t>
-            </a:r>
-            <a:r>
-              <a:rPr lang="en-GB" dirty="0" err="1"/>
-              <a:t>stato</a:t>
-            </a:r>
-            <a:r>
-              <a:rPr lang="en-GB" dirty="0"/>
-              <a:t> </a:t>
-            </a:r>
-            <a:r>
-              <a:rPr lang="en-GB" dirty="0" err="1"/>
-              <a:t>riassunto</a:t>
-            </a:r>
-            <a:r>
-              <a:rPr lang="en-GB" dirty="0"/>
-              <a:t> con </a:t>
-            </a:r>
-            <a:r>
-              <a:rPr lang="en-GB" dirty="0" err="1"/>
-              <a:t>l’acronimo</a:t>
-            </a:r>
-            <a:r>
-              <a:rPr lang="en-GB" dirty="0"/>
-              <a:t> di IoT, la </a:t>
-            </a:r>
-            <a:r>
-              <a:rPr lang="en-GB" dirty="0" err="1"/>
-              <a:t>conseguenza</a:t>
-            </a:r>
-            <a:r>
-              <a:rPr lang="en-GB" dirty="0"/>
-              <a:t> di </a:t>
-            </a:r>
-            <a:r>
-              <a:rPr lang="en-GB" dirty="0" err="1"/>
-              <a:t>questa</a:t>
-            </a:r>
-            <a:r>
-              <a:rPr lang="en-GB" dirty="0"/>
-              <a:t> </a:t>
-            </a:r>
-            <a:r>
-              <a:rPr lang="en-GB" dirty="0" err="1"/>
-              <a:t>crescita</a:t>
-            </a:r>
-            <a:r>
-              <a:rPr lang="en-GB" dirty="0"/>
-              <a:t> ha </a:t>
-            </a:r>
-            <a:r>
-              <a:rPr lang="en-GB" dirty="0" err="1"/>
-              <a:t>impattato</a:t>
-            </a:r>
-            <a:r>
-              <a:rPr lang="en-GB" dirty="0"/>
-              <a:t> </a:t>
-            </a:r>
-            <a:r>
-              <a:rPr lang="en-GB" dirty="0" err="1"/>
-              <a:t>diversi</a:t>
-            </a:r>
-            <a:r>
-              <a:rPr lang="en-GB" dirty="0"/>
-              <a:t> </a:t>
-            </a:r>
-            <a:r>
-              <a:rPr lang="en-GB" dirty="0" err="1"/>
-              <a:t>settori</a:t>
-            </a:r>
-            <a:r>
-              <a:rPr lang="en-GB" dirty="0"/>
-              <a:t>, </a:t>
-            </a:r>
-            <a:r>
-              <a:rPr lang="en-GB" dirty="0" err="1"/>
-              <a:t>tra</a:t>
-            </a:r>
-            <a:r>
-              <a:rPr lang="en-GB" dirty="0"/>
-              <a:t> cui </a:t>
-            </a:r>
-            <a:r>
-              <a:rPr lang="en-GB" dirty="0" err="1"/>
-              <a:t>quello</a:t>
-            </a:r>
-            <a:r>
-              <a:rPr lang="en-GB" dirty="0"/>
-              <a:t> </a:t>
-            </a:r>
-            <a:r>
-              <a:rPr lang="en-GB" dirty="0" err="1"/>
-              <a:t>industriale</a:t>
-            </a:r>
-            <a:r>
-              <a:rPr lang="en-GB" dirty="0"/>
-              <a:t>. [imagine 2]</a:t>
-            </a:r>
-          </a:p>
-          <a:p>
-            <a:r>
-              <a:rPr lang="en-GB" dirty="0"/>
-              <a:t>// </a:t>
-            </a:r>
-            <a:r>
-              <a:rPr lang="en-GB" dirty="0" err="1"/>
-              <a:t>L’uso</a:t>
-            </a:r>
-            <a:r>
-              <a:rPr lang="en-GB" dirty="0"/>
-              <a:t> </a:t>
-            </a:r>
-            <a:r>
-              <a:rPr lang="en-GB" dirty="0" err="1"/>
-              <a:t>ti</a:t>
-            </a:r>
-            <a:r>
-              <a:rPr lang="en-GB" dirty="0"/>
-              <a:t> tale </a:t>
-            </a:r>
-            <a:r>
-              <a:rPr lang="en-GB" dirty="0" err="1"/>
-              <a:t>tecnologia</a:t>
-            </a:r>
-            <a:r>
-              <a:rPr lang="en-GB" dirty="0"/>
-              <a:t> in </a:t>
-            </a:r>
-            <a:r>
-              <a:rPr lang="en-GB" dirty="0" err="1"/>
-              <a:t>ambito</a:t>
-            </a:r>
-            <a:r>
-              <a:rPr lang="en-GB" dirty="0"/>
-              <a:t> </a:t>
-            </a:r>
-            <a:r>
-              <a:rPr lang="en-GB" dirty="0" err="1"/>
-              <a:t>industriale</a:t>
-            </a:r>
-            <a:r>
-              <a:rPr lang="en-GB" dirty="0"/>
-              <a:t> ha </a:t>
-            </a:r>
-            <a:r>
-              <a:rPr lang="en-GB" dirty="0" err="1"/>
-              <a:t>preso</a:t>
-            </a:r>
-            <a:r>
-              <a:rPr lang="en-GB" dirty="0"/>
-              <a:t> il </a:t>
-            </a:r>
-            <a:r>
-              <a:rPr lang="en-GB" dirty="0" err="1"/>
-              <a:t>nome</a:t>
-            </a:r>
-            <a:r>
-              <a:rPr lang="en-GB" dirty="0"/>
-              <a:t> di </a:t>
-            </a:r>
-            <a:r>
-              <a:rPr lang="en-GB" dirty="0" err="1"/>
-              <a:t>Industria</a:t>
-            </a:r>
-            <a:r>
-              <a:rPr lang="en-GB" dirty="0"/>
-              <a:t> 4.0.</a:t>
-            </a:r>
-          </a:p>
         </p:txBody>
       </p:sp>
       <p:sp>
@@ -1983,244 +1739,6 @@
               <a:t>Control of the internal ventilation</a:t>
             </a:r>
           </a:p>
-          <a:p>
-            <a:endParaRPr lang="en-GB" dirty="0"/>
-          </a:p>
-          <a:p>
-            <a:r>
-              <a:rPr lang="en-GB" dirty="0"/>
-              <a:t>/* Per </a:t>
-            </a:r>
-            <a:r>
-              <a:rPr lang="en-GB" dirty="0" err="1"/>
-              <a:t>questo</a:t>
-            </a:r>
-            <a:r>
-              <a:rPr lang="en-GB" dirty="0"/>
-              <a:t> Progetto ci </a:t>
-            </a:r>
-            <a:r>
-              <a:rPr lang="en-GB" dirty="0" err="1"/>
-              <a:t>siamo</a:t>
-            </a:r>
-            <a:r>
-              <a:rPr lang="en-GB" dirty="0"/>
-              <a:t> </a:t>
-            </a:r>
-            <a:r>
-              <a:rPr lang="en-GB" dirty="0" err="1"/>
-              <a:t>focalizzati</a:t>
-            </a:r>
-            <a:r>
-              <a:rPr lang="en-GB" dirty="0"/>
-              <a:t> </a:t>
-            </a:r>
-            <a:r>
-              <a:rPr lang="en-GB" dirty="0" err="1"/>
-              <a:t>sullo</a:t>
-            </a:r>
-            <a:r>
-              <a:rPr lang="en-GB" dirty="0"/>
-              <a:t> </a:t>
-            </a:r>
-            <a:r>
-              <a:rPr lang="en-GB" dirty="0" err="1"/>
-              <a:t>sviluppo</a:t>
-            </a:r>
-            <a:r>
-              <a:rPr lang="en-GB" dirty="0"/>
-              <a:t> di un Industrial Oven il quale </a:t>
-            </a:r>
-            <a:r>
-              <a:rPr lang="en-GB" dirty="0" err="1"/>
-              <a:t>vuole</a:t>
-            </a:r>
-            <a:r>
-              <a:rPr lang="en-GB" dirty="0"/>
-              <a:t> </a:t>
-            </a:r>
-            <a:r>
-              <a:rPr lang="en-GB" dirty="0" err="1"/>
-              <a:t>essere</a:t>
-            </a:r>
-            <a:r>
-              <a:rPr lang="en-GB" dirty="0"/>
-              <a:t> </a:t>
-            </a:r>
-            <a:r>
-              <a:rPr lang="en-GB" dirty="0" err="1"/>
-              <a:t>impiegato</a:t>
-            </a:r>
-            <a:r>
-              <a:rPr lang="en-GB" dirty="0"/>
-              <a:t> in </a:t>
-            </a:r>
-            <a:r>
-              <a:rPr lang="en-GB" dirty="0" err="1"/>
-              <a:t>ambienti</a:t>
-            </a:r>
-            <a:r>
-              <a:rPr lang="en-GB" dirty="0"/>
-              <a:t> </a:t>
-            </a:r>
-            <a:r>
-              <a:rPr lang="en-GB" dirty="0" err="1"/>
-              <a:t>industriali</a:t>
-            </a:r>
-            <a:r>
-              <a:rPr lang="en-GB" dirty="0"/>
-              <a:t>, </a:t>
-            </a:r>
-            <a:r>
-              <a:rPr lang="en-GB" dirty="0" err="1"/>
-              <a:t>dotato</a:t>
-            </a:r>
-            <a:r>
-              <a:rPr lang="en-GB" dirty="0"/>
-              <a:t> di </a:t>
-            </a:r>
-            <a:r>
-              <a:rPr lang="en-GB" dirty="0" err="1"/>
-              <a:t>funzionalità</a:t>
-            </a:r>
-            <a:r>
-              <a:rPr lang="en-GB" dirty="0"/>
-              <a:t> smart.</a:t>
-            </a:r>
-          </a:p>
-          <a:p>
-            <a:r>
-              <a:rPr lang="en-GB" dirty="0"/>
-              <a:t>Le </a:t>
-            </a:r>
-            <a:r>
-              <a:rPr lang="en-GB" dirty="0" err="1"/>
-              <a:t>principali</a:t>
-            </a:r>
-            <a:r>
-              <a:rPr lang="en-GB" dirty="0"/>
-              <a:t> </a:t>
-            </a:r>
-            <a:r>
-              <a:rPr lang="en-GB" dirty="0" err="1"/>
-              <a:t>caratteristiche</a:t>
-            </a:r>
-            <a:r>
-              <a:rPr lang="en-GB" dirty="0"/>
-              <a:t> </a:t>
-            </a:r>
-            <a:r>
-              <a:rPr lang="en-GB" dirty="0" err="1"/>
-              <a:t>sono</a:t>
-            </a:r>
-            <a:r>
-              <a:rPr lang="en-GB" dirty="0"/>
-              <a:t>: </a:t>
-            </a:r>
-          </a:p>
-          <a:p>
-            <a:r>
-              <a:rPr lang="en-GB" dirty="0"/>
-              <a:t> - </a:t>
-            </a:r>
-            <a:r>
-              <a:rPr lang="en-GB" dirty="0" err="1"/>
-              <a:t>Controllo</a:t>
-            </a:r>
-            <a:r>
-              <a:rPr lang="en-GB" dirty="0"/>
-              <a:t> </a:t>
-            </a:r>
-            <a:r>
-              <a:rPr lang="en-GB" dirty="0" err="1"/>
-              <a:t>automatico</a:t>
-            </a:r>
-            <a:r>
-              <a:rPr lang="en-GB" dirty="0"/>
-              <a:t> </a:t>
-            </a:r>
-            <a:r>
-              <a:rPr lang="en-GB" dirty="0" err="1"/>
-              <a:t>della</a:t>
-            </a:r>
-            <a:r>
-              <a:rPr lang="en-GB" dirty="0"/>
-              <a:t> </a:t>
-            </a:r>
-            <a:r>
-              <a:rPr lang="en-GB" dirty="0" err="1"/>
-              <a:t>temperatura</a:t>
-            </a:r>
-            <a:r>
-              <a:rPr lang="en-GB" dirty="0"/>
-              <a:t> (PID) con timer </a:t>
-            </a:r>
-            <a:r>
-              <a:rPr lang="en-GB" dirty="0" err="1"/>
-              <a:t>associato</a:t>
-            </a:r>
-            <a:r>
-              <a:rPr lang="en-GB" dirty="0"/>
-              <a:t> </a:t>
-            </a:r>
-            <a:r>
-              <a:rPr lang="en-GB" dirty="0" err="1"/>
-              <a:t>programmabile</a:t>
-            </a:r>
-            <a:r>
-              <a:rPr lang="en-GB" dirty="0"/>
-              <a:t> </a:t>
-            </a:r>
-            <a:r>
-              <a:rPr lang="en-GB" dirty="0" err="1"/>
-              <a:t>dall’utente</a:t>
-            </a:r>
-            <a:endParaRPr lang="en-GB" dirty="0"/>
-          </a:p>
-          <a:p>
-            <a:r>
-              <a:rPr lang="en-GB" dirty="0"/>
-              <a:t> - </a:t>
-            </a:r>
-            <a:r>
-              <a:rPr lang="en-GB" dirty="0" err="1"/>
-              <a:t>Controllabilità</a:t>
-            </a:r>
-            <a:r>
-              <a:rPr lang="en-GB" dirty="0"/>
-              <a:t> via UART</a:t>
-            </a:r>
-          </a:p>
-          <a:p>
-            <a:r>
-              <a:rPr lang="en-GB" dirty="0"/>
-              <a:t> - </a:t>
-            </a:r>
-            <a:r>
-              <a:rPr lang="en-GB" dirty="0" err="1"/>
-              <a:t>Controllo</a:t>
-            </a:r>
-            <a:r>
-              <a:rPr lang="en-GB" dirty="0"/>
-              <a:t> </a:t>
-            </a:r>
-            <a:r>
-              <a:rPr lang="en-GB" dirty="0" err="1"/>
-              <a:t>della</a:t>
-            </a:r>
-            <a:r>
-              <a:rPr lang="en-GB" dirty="0"/>
-              <a:t> </a:t>
-            </a:r>
-            <a:r>
-              <a:rPr lang="en-GB" dirty="0" err="1"/>
-              <a:t>ventilazione</a:t>
-            </a:r>
-            <a:r>
-              <a:rPr lang="en-GB" dirty="0"/>
-              <a:t> interna */</a:t>
-            </a:r>
-          </a:p>
         </p:txBody>
       </p:sp>
       <p:sp>
@@ -2523,7 +2041,128 @@
           <a:bodyPr/>
           <a:lstStyle/>
           <a:p>
+            <a:r>
+              <a:rPr lang="en-GB" dirty="0"/>
+              <a:t>Then we sketched the functional level view of the system, underlining the connection and the peripherals that we would have used.</a:t>
+            </a:r>
+          </a:p>
+          <a:p>
+            <a:r>
+              <a:rPr lang="en-GB" dirty="0"/>
+              <a:t>For this reason we choose the STM32F429-Discovery board, that is equipped with an ARM CPU, and has enough peripherals for our needs. In particular the Oven would be composed of</a:t>
+            </a:r>
+          </a:p>
+          <a:p>
+            <a:pPr marL="171450" indent="-171450">
+              <a:buFont typeface="Arial" panose="020B0604020202020204" pitchFamily="34" charset="0"/>
+              <a:buChar char="•"/>
+            </a:pPr>
+            <a:r>
+              <a:rPr lang="en-GB" dirty="0"/>
+              <a:t>4 temperature sensors scattered across the interior</a:t>
+            </a:r>
+          </a:p>
+          <a:p>
+            <a:pPr marL="171450" indent="-171450">
+              <a:buFont typeface="Arial" panose="020B0604020202020204" pitchFamily="34" charset="0"/>
+              <a:buChar char="•"/>
+            </a:pPr>
+            <a:r>
+              <a:rPr lang="en-GB" dirty="0"/>
+              <a:t>An heating element to raise the internal temperature</a:t>
+            </a:r>
+          </a:p>
+          <a:p>
+            <a:pPr marL="171450" indent="-171450">
+              <a:buFont typeface="Arial" panose="020B0604020202020204" pitchFamily="34" charset="0"/>
+              <a:buChar char="•"/>
+            </a:pPr>
+            <a:r>
+              <a:rPr lang="en-GB" dirty="0"/>
+              <a:t>An electric fan for the ventilation</a:t>
+            </a:r>
+          </a:p>
+          <a:p>
+            <a:pPr marL="171450" indent="-171450">
+              <a:buFont typeface="Arial" panose="020B0604020202020204" pitchFamily="34" charset="0"/>
+              <a:buChar char="•"/>
+            </a:pPr>
+            <a:r>
+              <a:rPr lang="en-GB" dirty="0"/>
+              <a:t>An UART interface to communicate with the Oven</a:t>
+            </a:r>
+          </a:p>
+          <a:p>
+            <a:pPr marL="171450" indent="-171450">
+              <a:buFont typeface="Arial" panose="020B0604020202020204" pitchFamily="34" charset="0"/>
+              <a:buChar char="•"/>
+            </a:pPr>
             <a:endParaRPr lang="en-GB" dirty="0"/>
+          </a:p>
+          <a:p>
+            <a:pPr marL="0" indent="0">
+              <a:buFont typeface="Arial" panose="020B0604020202020204" pitchFamily="34" charset="0"/>
+              <a:buNone/>
+            </a:pPr>
+            <a:r>
+              <a:rPr lang="en-GB" dirty="0"/>
+              <a:t>All these elements can be connected with the peripherals of the board, as shown in the solution level architecture,</a:t>
+            </a:r>
+          </a:p>
+          <a:p>
+            <a:pPr marL="0" indent="0">
+              <a:buFont typeface="Arial" panose="020B0604020202020204" pitchFamily="34" charset="0"/>
+              <a:buNone/>
+            </a:pPr>
+            <a:endParaRPr lang="en-GB" dirty="0"/>
+          </a:p>
+          <a:p>
+            <a:pPr marL="0" indent="0">
+              <a:buFont typeface="Arial" panose="020B0604020202020204" pitchFamily="34" charset="0"/>
+              <a:buNone/>
+            </a:pPr>
+            <a:r>
+              <a:rPr lang="en-GB" dirty="0"/>
+              <a:t>The UART5 is used for the communication, </a:t>
+            </a:r>
+          </a:p>
+          <a:p>
+            <a:pPr marL="0" indent="0">
+              <a:buFont typeface="Arial" panose="020B0604020202020204" pitchFamily="34" charset="0"/>
+              <a:buNone/>
+            </a:pPr>
+            <a:r>
+              <a:rPr lang="en-GB" dirty="0"/>
+              <a:t>the Timer 6 triggers an interrupt routine for the displaying of the </a:t>
+            </a:r>
+            <a:r>
+              <a:rPr lang="en-GB" dirty="0" err="1"/>
+              <a:t>informations</a:t>
+            </a:r>
+            <a:r>
+              <a:rPr lang="en-GB" dirty="0"/>
+              <a:t> over the UART, </a:t>
+            </a:r>
+          </a:p>
+          <a:p>
+            <a:pPr marL="0" indent="0">
+              <a:buFont typeface="Arial" panose="020B0604020202020204" pitchFamily="34" charset="0"/>
+              <a:buNone/>
+            </a:pPr>
+            <a:r>
+              <a:rPr lang="en-GB" dirty="0"/>
+              <a:t>the I2C3 bus is used for the temperature sensors, </a:t>
+            </a:r>
+          </a:p>
+          <a:p>
+            <a:pPr marL="0" indent="0">
+              <a:buFont typeface="Arial" panose="020B0604020202020204" pitchFamily="34" charset="0"/>
+              <a:buNone/>
+            </a:pPr>
+            <a:r>
+              <a:rPr lang="en-GB" dirty="0"/>
+              <a:t>and the Timer1 and 2 for generating the PWM for the Fan and the Heating element</a:t>
+            </a:r>
           </a:p>
         </p:txBody>
       </p:sp>
@@ -2607,7 +2246,83 @@
           <a:bodyPr/>
           <a:lstStyle/>
           <a:p>
+            <a:r>
+              <a:rPr lang="en-GB" dirty="0"/>
+              <a:t>The next step was to write the software routines, starting from some flow charts. </a:t>
+            </a:r>
+          </a:p>
+          <a:p>
+            <a:r>
+              <a:rPr lang="en-GB" dirty="0"/>
+              <a:t>The main routine initializes the variables and the peripherals. Then the Timer6 starts, and the program enters in an infinite loop where at each iteration:</a:t>
+            </a:r>
+          </a:p>
+          <a:p>
+            <a:pPr marL="171450" indent="-171450">
+              <a:buFont typeface="Arial" panose="020B0604020202020204" pitchFamily="34" charset="0"/>
+              <a:buChar char="•"/>
+            </a:pPr>
+            <a:r>
+              <a:rPr lang="en-GB" dirty="0"/>
+              <a:t>Reads the temperature sensors and compute the mean value</a:t>
+            </a:r>
+          </a:p>
+          <a:p>
+            <a:pPr marL="171450" indent="-171450">
+              <a:buFont typeface="Arial" panose="020B0604020202020204" pitchFamily="34" charset="0"/>
+              <a:buChar char="•"/>
+            </a:pPr>
+            <a:r>
+              <a:rPr lang="en-GB" dirty="0"/>
+              <a:t>Compute the error between the measured value and the expected temperature value</a:t>
+            </a:r>
+          </a:p>
+          <a:p>
+            <a:pPr marL="171450" indent="-171450">
+              <a:buFont typeface="Arial" panose="020B0604020202020204" pitchFamily="34" charset="0"/>
+              <a:buChar char="•"/>
+            </a:pPr>
+            <a:r>
+              <a:rPr lang="en-GB" dirty="0"/>
+              <a:t>The PID computer the output PWM for the heating element</a:t>
+            </a:r>
+          </a:p>
+          <a:p>
+            <a:pPr marL="171450" indent="-171450">
+              <a:buFont typeface="Arial" panose="020B0604020202020204" pitchFamily="34" charset="0"/>
+              <a:buChar char="•"/>
+            </a:pPr>
+            <a:r>
+              <a:rPr lang="en-GB" dirty="0"/>
+              <a:t>The Fan and the Heating element duty cycle is updated</a:t>
+            </a:r>
+          </a:p>
+          <a:p>
+            <a:pPr marL="0" indent="0">
+              <a:buFont typeface="Arial" panose="020B0604020202020204" pitchFamily="34" charset="0"/>
+              <a:buNone/>
+            </a:pPr>
             <a:endParaRPr lang="en-GB" dirty="0"/>
+          </a:p>
+          <a:p>
+            <a:pPr marL="0" indent="0">
+              <a:buFont typeface="Arial" panose="020B0604020202020204" pitchFamily="34" charset="0"/>
+              <a:buNone/>
+            </a:pPr>
+            <a:r>
+              <a:rPr lang="en-GB" dirty="0"/>
+              <a:t>Every 100ms the Timer6 interrupt routine is called, and updates the User Interface on the UART5 line.</a:t>
+            </a:r>
+          </a:p>
+          <a:p>
+            <a:pPr marL="0" indent="0">
+              <a:buFont typeface="Arial" panose="020B0604020202020204" pitchFamily="34" charset="0"/>
+              <a:buNone/>
+            </a:pPr>
+            <a:r>
+              <a:rPr lang="en-GB" dirty="0"/>
+              <a:t>The UART Read interrupt routine is called every time the user enters an input on the UART line, for example to set a new temperature value. </a:t>
+            </a:r>
           </a:p>
         </p:txBody>
       </p:sp>
@@ -2691,7 +2406,92 @@
           <a:bodyPr/>
           <a:lstStyle/>
           <a:p>
-            <a:endParaRPr lang="en-GB" dirty="0"/>
+            <a:r>
+              <a:rPr lang="en-GB" dirty="0"/>
+              <a:t>The firmware is composed by the following modules, each one in charge of a particular task.</a:t>
+            </a:r>
+          </a:p>
+          <a:p>
+            <a:pPr marL="171450" indent="-171450">
+              <a:buFont typeface="Arial" panose="020B0604020202020204" pitchFamily="34" charset="0"/>
+              <a:buChar char="•"/>
+            </a:pPr>
+            <a:r>
+              <a:rPr lang="en-GB" dirty="0"/>
+              <a:t>The </a:t>
+            </a:r>
+            <a:r>
+              <a:rPr lang="en-GB" dirty="0" err="1"/>
+              <a:t>main.c</a:t>
+            </a:r>
+            <a:r>
+              <a:rPr lang="en-GB" dirty="0"/>
+              <a:t> contains the main loop, and uses the functions of the other modules</a:t>
+            </a:r>
+          </a:p>
+          <a:p>
+            <a:pPr marL="171450" indent="-171450">
+              <a:buFont typeface="Arial" panose="020B0604020202020204" pitchFamily="34" charset="0"/>
+              <a:buChar char="•"/>
+            </a:pPr>
+            <a:r>
+              <a:rPr lang="en-GB" dirty="0"/>
+              <a:t>The i2c.c contains the initialization functions for the i2c bus</a:t>
+            </a:r>
+          </a:p>
+          <a:p>
+            <a:pPr marL="171450" indent="-171450">
+              <a:buFont typeface="Arial" panose="020B0604020202020204" pitchFamily="34" charset="0"/>
+              <a:buChar char="•"/>
+            </a:pPr>
+            <a:r>
+              <a:rPr lang="en-GB" dirty="0"/>
+              <a:t>The </a:t>
+            </a:r>
+            <a:r>
+              <a:rPr lang="en-GB" dirty="0" err="1"/>
+              <a:t>usart.c</a:t>
+            </a:r>
+            <a:r>
+              <a:rPr lang="en-GB" dirty="0"/>
+              <a:t>, as the </a:t>
+            </a:r>
+            <a:r>
+              <a:rPr lang="en-GB" dirty="0" err="1"/>
+              <a:t>gpio.c</a:t>
+            </a:r>
+            <a:r>
+              <a:rPr lang="en-GB" dirty="0"/>
+              <a:t> and the </a:t>
+            </a:r>
+            <a:r>
+              <a:rPr lang="en-GB" dirty="0" err="1"/>
+              <a:t>tim.c</a:t>
+            </a:r>
+            <a:r>
+              <a:rPr lang="en-GB" dirty="0"/>
+              <a:t> contains the initialization functions for these peripherals</a:t>
+            </a:r>
+          </a:p>
+          <a:p>
+            <a:pPr marL="171450" indent="-171450">
+              <a:buFont typeface="Arial" panose="020B0604020202020204" pitchFamily="34" charset="0"/>
+              <a:buChar char="•"/>
+            </a:pPr>
+            <a:r>
+              <a:rPr lang="en-GB" dirty="0"/>
+              <a:t>The bmp180.c contains the structures and the functions for communication with the bmp180 temperature sensors, that are connected on the i2c line</a:t>
+            </a:r>
+          </a:p>
+          <a:p>
+            <a:pPr marL="171450" indent="-171450">
+              <a:buFont typeface="Arial" panose="020B0604020202020204" pitchFamily="34" charset="0"/>
+              <a:buChar char="•"/>
+            </a:pPr>
+            <a:r>
+              <a:rPr lang="en-GB" dirty="0"/>
+              <a:t>The stm32f4xx_it.c contains the interrupt routines used for the project. </a:t>
+            </a:r>
           </a:p>
         </p:txBody>
       </p:sp>
@@ -2775,7 +2575,38 @@
           <a:bodyPr/>
           <a:lstStyle/>
           <a:p>
-            <a:endParaRPr lang="en-GB" dirty="0"/>
+            <a:r>
+              <a:rPr lang="en-GB" dirty="0"/>
+              <a:t>To simulate the board with </a:t>
+            </a:r>
+            <a:r>
+              <a:rPr lang="en-GB" dirty="0" err="1"/>
+              <a:t>Renode</a:t>
+            </a:r>
+            <a:r>
+              <a:rPr lang="en-GB" dirty="0"/>
+              <a:t> we had to modify the </a:t>
+            </a:r>
+            <a:r>
+              <a:rPr lang="en-GB" dirty="0" err="1"/>
+              <a:t>Resc</a:t>
+            </a:r>
+            <a:r>
+              <a:rPr lang="en-GB" dirty="0"/>
+              <a:t> script by enabling the System Bus and creating 4 environments for the 4 temperature sensors.</a:t>
+            </a:r>
+          </a:p>
+          <a:p>
+            <a:r>
+              <a:rPr lang="en-GB" dirty="0"/>
+              <a:t>For the UART we created a Server Socket at the port 3456 called “term” that is connected to the UART5. In order to access to the UART we simply have to connect with PUTTY at the address localhost:3456,</a:t>
+            </a:r>
+          </a:p>
+          <a:p>
+            <a:r>
+              <a:rPr lang="en-GB" dirty="0"/>
+              <a:t>Then the 4 environments are connected to the i2c3 bus with 4 different sensors.</a:t>
+            </a:r>
           </a:p>
         </p:txBody>
       </p:sp>
@@ -2944,7 +2775,7 @@
           <a:p>
             <a:fld id="{8141BEEF-F9E1-4A33-ACC1-282CAB272F0C}" type="datetime1">
               <a:rPr lang="en-US" smtClean="0"/>
-              <a:t>1/18/2021</a:t>
+              <a:t>1/22/2021</a:t>
             </a:fld>
             <a:endParaRPr lang="en-US"/>
           </a:p>
@@ -3116,7 +2947,7 @@
           <a:p>
             <a:fld id="{C90EA01B-2217-49ED-A018-35A8F674322D}" type="datetime1">
               <a:rPr lang="en-US" smtClean="0"/>
-              <a:t>1/18/2021</a:t>
+              <a:t>1/22/2021</a:t>
             </a:fld>
             <a:endParaRPr lang="en-US"/>
           </a:p>
@@ -3298,7 +3129,7 @@
           <a:p>
             <a:fld id="{5A12B522-85C6-4158-89FD-04947677A280}" type="datetime1">
               <a:rPr lang="en-US" smtClean="0"/>
-              <a:t>1/18/2021</a:t>
+              <a:t>1/22/2021</a:t>
             </a:fld>
             <a:endParaRPr lang="en-US"/>
           </a:p>
@@ -3470,7 +3301,7 @@
           <a:p>
             <a:fld id="{9D05EF58-A591-4C94-BD2D-85AFFDB6640C}" type="datetime1">
               <a:rPr lang="en-US" smtClean="0"/>
-              <a:t>1/18/2021</a:t>
+              <a:t>1/22/2021</a:t>
             </a:fld>
             <a:endParaRPr lang="en-US"/>
           </a:p>
@@ -3719,7 +3550,7 @@
           <a:p>
             <a:fld id="{4BDFCD1F-9347-4A15-B554-1D3C1A9570A6}" type="datetime1">
               <a:rPr lang="en-US" smtClean="0"/>
-              <a:t>1/18/2021</a:t>
+              <a:t>1/22/2021</a:t>
             </a:fld>
             <a:endParaRPr lang="en-US"/>
           </a:p>
@@ -3952,7 +3783,7 @@
           <a:p>
             <a:fld id="{9F39DE19-DB2B-486F-BEC0-2DBEB7F40F62}" type="datetime1">
               <a:rPr lang="en-US" smtClean="0"/>
-              <a:t>1/18/2021</a:t>
+              <a:t>1/22/2021</a:t>
             </a:fld>
             <a:endParaRPr lang="en-US"/>
           </a:p>
@@ -4320,7 +4151,7 @@
           <a:p>
             <a:fld id="{4D87E488-A0D1-447D-A000-6ADBF9F29B3D}" type="datetime1">
               <a:rPr lang="en-US" smtClean="0"/>
-              <a:t>1/18/2021</a:t>
+              <a:t>1/22/2021</a:t>
             </a:fld>
             <a:endParaRPr lang="en-US"/>
           </a:p>
@@ -4441,7 +4272,7 @@
           <a:p>
             <a:fld id="{D725069A-4F7A-4C82-9896-BBED5FCF375E}" type="datetime1">
               <a:rPr lang="en-US" smtClean="0"/>
-              <a:t>1/18/2021</a:t>
+              <a:t>1/22/2021</a:t>
             </a:fld>
             <a:endParaRPr lang="en-US"/>
           </a:p>
@@ -4540,7 +4371,7 @@
           <a:p>
             <a:fld id="{CFBB535A-36B1-49B1-93FA-4E17100CBC7D}" type="datetime1">
               <a:rPr lang="en-US" smtClean="0"/>
-              <a:t>1/18/2021</a:t>
+              <a:t>1/22/2021</a:t>
             </a:fld>
             <a:endParaRPr lang="en-US"/>
           </a:p>
@@ -4819,7 +4650,7 @@
           <a:p>
             <a:fld id="{F05B676A-D7ED-43A8-9FCB-76858D9038C2}" type="datetime1">
               <a:rPr lang="en-US" smtClean="0"/>
-              <a:t>1/18/2021</a:t>
+              <a:t>1/22/2021</a:t>
             </a:fld>
             <a:endParaRPr lang="en-US"/>
           </a:p>
@@ -5075,7 +4906,7 @@
           <a:p>
             <a:fld id="{B0EAE55A-9D13-41E2-BE52-DD2D40ECE046}" type="datetime1">
               <a:rPr lang="en-US" smtClean="0"/>
-              <a:t>1/18/2021</a:t>
+              <a:t>1/22/2021</a:t>
             </a:fld>
             <a:endParaRPr lang="en-US"/>
           </a:p>
@@ -5290,7 +5121,7 @@
           <a:p>
             <a:fld id="{44CFA898-378E-4246-BA3C-F99939F76BCE}" type="datetime1">
               <a:rPr lang="en-US" smtClean="0"/>
-              <a:t>1/18/2021</a:t>
+              <a:t>1/22/2021</a:t>
             </a:fld>
             <a:endParaRPr lang="en-US"/>
           </a:p>
@@ -11191,7 +11022,7 @@
             </a:pPr>
             <a:r>
               <a:rPr lang="en-GB" dirty="0" err="1"/>
-              <a:t>timer.c</a:t>
+              <a:t>tim.c</a:t>
             </a:r>
             <a:r>
               <a:rPr lang="en-GB" dirty="0"/>

--- a/PIO.pptx
+++ b/PIO.pptx
@@ -215,7 +215,7 @@
           <a:p>
             <a:fld id="{B04B3257-1298-4A3D-9F6A-9B21A56D330D}" type="datetimeFigureOut">
               <a:rPr lang="en-GB" smtClean="0"/>
-              <a:t>22/01/2021</a:t>
+              <a:t>05/02/2021</a:t>
             </a:fld>
             <a:endParaRPr lang="en-GB"/>
           </a:p>
@@ -2775,7 +2775,7 @@
           <a:p>
             <a:fld id="{8141BEEF-F9E1-4A33-ACC1-282CAB272F0C}" type="datetime1">
               <a:rPr lang="en-US" smtClean="0"/>
-              <a:t>1/22/2021</a:t>
+              <a:t>2/5/2021</a:t>
             </a:fld>
             <a:endParaRPr lang="en-US"/>
           </a:p>
@@ -2947,7 +2947,7 @@
           <a:p>
             <a:fld id="{C90EA01B-2217-49ED-A018-35A8F674322D}" type="datetime1">
               <a:rPr lang="en-US" smtClean="0"/>
-              <a:t>1/22/2021</a:t>
+              <a:t>2/5/2021</a:t>
             </a:fld>
             <a:endParaRPr lang="en-US"/>
           </a:p>
@@ -3129,7 +3129,7 @@
           <a:p>
             <a:fld id="{5A12B522-85C6-4158-89FD-04947677A280}" type="datetime1">
               <a:rPr lang="en-US" smtClean="0"/>
-              <a:t>1/22/2021</a:t>
+              <a:t>2/5/2021</a:t>
             </a:fld>
             <a:endParaRPr lang="en-US"/>
           </a:p>
@@ -3301,7 +3301,7 @@
           <a:p>
             <a:fld id="{9D05EF58-A591-4C94-BD2D-85AFFDB6640C}" type="datetime1">
               <a:rPr lang="en-US" smtClean="0"/>
-              <a:t>1/22/2021</a:t>
+              <a:t>2/5/2021</a:t>
             </a:fld>
             <a:endParaRPr lang="en-US"/>
           </a:p>
@@ -3550,7 +3550,7 @@
           <a:p>
             <a:fld id="{4BDFCD1F-9347-4A15-B554-1D3C1A9570A6}" type="datetime1">
               <a:rPr lang="en-US" smtClean="0"/>
-              <a:t>1/22/2021</a:t>
+              <a:t>2/5/2021</a:t>
             </a:fld>
             <a:endParaRPr lang="en-US"/>
           </a:p>
@@ -3783,7 +3783,7 @@
           <a:p>
             <a:fld id="{9F39DE19-DB2B-486F-BEC0-2DBEB7F40F62}" type="datetime1">
               <a:rPr lang="en-US" smtClean="0"/>
-              <a:t>1/22/2021</a:t>
+              <a:t>2/5/2021</a:t>
             </a:fld>
             <a:endParaRPr lang="en-US"/>
           </a:p>
@@ -4151,7 +4151,7 @@
           <a:p>
             <a:fld id="{4D87E488-A0D1-447D-A000-6ADBF9F29B3D}" type="datetime1">
               <a:rPr lang="en-US" smtClean="0"/>
-              <a:t>1/22/2021</a:t>
+              <a:t>2/5/2021</a:t>
             </a:fld>
             <a:endParaRPr lang="en-US"/>
           </a:p>
@@ -4272,7 +4272,7 @@
           <a:p>
             <a:fld id="{D725069A-4F7A-4C82-9896-BBED5FCF375E}" type="datetime1">
               <a:rPr lang="en-US" smtClean="0"/>
-              <a:t>1/22/2021</a:t>
+              <a:t>2/5/2021</a:t>
             </a:fld>
             <a:endParaRPr lang="en-US"/>
           </a:p>
@@ -4371,7 +4371,7 @@
           <a:p>
             <a:fld id="{CFBB535A-36B1-49B1-93FA-4E17100CBC7D}" type="datetime1">
               <a:rPr lang="en-US" smtClean="0"/>
-              <a:t>1/22/2021</a:t>
+              <a:t>2/5/2021</a:t>
             </a:fld>
             <a:endParaRPr lang="en-US"/>
           </a:p>
@@ -4650,7 +4650,7 @@
           <a:p>
             <a:fld id="{F05B676A-D7ED-43A8-9FCB-76858D9038C2}" type="datetime1">
               <a:rPr lang="en-US" smtClean="0"/>
-              <a:t>1/22/2021</a:t>
+              <a:t>2/5/2021</a:t>
             </a:fld>
             <a:endParaRPr lang="en-US"/>
           </a:p>
@@ -4906,7 +4906,7 @@
           <a:p>
             <a:fld id="{B0EAE55A-9D13-41E2-BE52-DD2D40ECE046}" type="datetime1">
               <a:rPr lang="en-US" smtClean="0"/>
-              <a:t>1/22/2021</a:t>
+              <a:t>2/5/2021</a:t>
             </a:fld>
             <a:endParaRPr lang="en-US"/>
           </a:p>
@@ -5121,7 +5121,7 @@
           <a:p>
             <a:fld id="{44CFA898-378E-4246-BA3C-F99939F76BCE}" type="datetime1">
               <a:rPr lang="en-US" smtClean="0"/>
-              <a:t>1/22/2021</a:t>
+              <a:t>2/5/2021</a:t>
             </a:fld>
             <a:endParaRPr lang="en-US"/>
           </a:p>
@@ -11160,14 +11160,13 @@
               </a:ext>
             </a:extLst>
           </a:blip>
-          <a:stretch>
-            <a:fillRect/>
-          </a:stretch>
+          <a:srcRect/>
+          <a:stretch/>
         </p:blipFill>
         <p:spPr>
           <a:xfrm>
-            <a:off x="371475" y="1580357"/>
-            <a:ext cx="5724525" cy="4686300"/>
+            <a:off x="371475" y="1585119"/>
+            <a:ext cx="5724525" cy="4676775"/>
           </a:xfrm>
           <a:prstGeom prst="rect">
             <a:avLst/>
